--- a/Blockchain-TokenLand-real-estate-project.pptx
+++ b/Blockchain-TokenLand-real-estate-project.pptx
@@ -20,7 +20,9 @@
     <p:sldId id="268" r:id="rId14"/>
     <p:sldId id="269" r:id="rId15"/>
     <p:sldId id="270" r:id="rId16"/>
-    <p:sldId id="271" r:id="rId17"/>
+    <p:sldId id="272" r:id="rId17"/>
+    <p:sldId id="273" r:id="rId18"/>
+    <p:sldId id="271" r:id="rId19"/>
   </p:sldIdLst>
   <p:sldSz cx="12192000" cy="6858000"/>
   <p:notesSz cx="6858000" cy="9144000"/>
@@ -119,6 +121,11 @@
       </a:defRPr>
     </a:lvl9pPr>
   </p:defaultTextStyle>
+  <p:extLst>
+    <p:ext uri="{EFAFB233-063F-42B5-8137-9DF3F51BA10A}">
+      <p15:sldGuideLst xmlns:p15="http://schemas.microsoft.com/office/powerpoint/2012/main"/>
+    </p:ext>
+  </p:extLst>
 </p:presentation>
 </file>
 
@@ -845,7 +852,7 @@
             <a:fld id="{B61BEF0D-F0BB-DE4B-95CE-6DB70DBA9567}" type="datetimeFigureOut">
               <a:rPr lang="en-US" dirty="0"/>
               <a:pPr/>
-              <a:t>11/13/24</a:t>
+              <a:t>11/14/24</a:t>
             </a:fld>
             <a:endParaRPr lang="en-US" dirty="0"/>
           </a:p>
@@ -1093,7 +1100,7 @@
             <a:fld id="{B61BEF0D-F0BB-DE4B-95CE-6DB70DBA9567}" type="datetimeFigureOut">
               <a:rPr lang="en-US" dirty="0"/>
               <a:pPr/>
-              <a:t>11/13/24</a:t>
+              <a:t>11/14/24</a:t>
             </a:fld>
             <a:endParaRPr lang="en-US" dirty="0"/>
           </a:p>
@@ -1404,7 +1411,7 @@
             <a:fld id="{B61BEF0D-F0BB-DE4B-95CE-6DB70DBA9567}" type="datetimeFigureOut">
               <a:rPr lang="en-US" dirty="0"/>
               <a:pPr/>
-              <a:t>11/13/24</a:t>
+              <a:t>11/14/24</a:t>
             </a:fld>
             <a:endParaRPr lang="en-US" dirty="0"/>
           </a:p>
@@ -1742,7 +1749,7 @@
             <a:fld id="{B61BEF0D-F0BB-DE4B-95CE-6DB70DBA9567}" type="datetimeFigureOut">
               <a:rPr lang="en-US" dirty="0"/>
               <a:pPr/>
-              <a:t>11/13/24</a:t>
+              <a:t>11/14/24</a:t>
             </a:fld>
             <a:endParaRPr lang="en-US" dirty="0"/>
           </a:p>
@@ -2053,7 +2060,7 @@
             <a:fld id="{B61BEF0D-F0BB-DE4B-95CE-6DB70DBA9567}" type="datetimeFigureOut">
               <a:rPr lang="en-US" dirty="0"/>
               <a:pPr/>
-              <a:t>11/13/24</a:t>
+              <a:t>11/14/24</a:t>
             </a:fld>
             <a:endParaRPr lang="en-US" dirty="0"/>
           </a:p>
@@ -2443,7 +2450,7 @@
             <a:fld id="{B61BEF0D-F0BB-DE4B-95CE-6DB70DBA9567}" type="datetimeFigureOut">
               <a:rPr lang="en-US" dirty="0"/>
               <a:pPr/>
-              <a:t>11/13/24</a:t>
+              <a:t>11/14/24</a:t>
             </a:fld>
             <a:endParaRPr lang="en-US" dirty="0"/>
           </a:p>
@@ -2609,7 +2616,7 @@
           <a:p>
             <a:fld id="{55C6B4A9-1611-4792-9094-5F34BCA07E0B}" type="datetimeFigureOut">
               <a:rPr lang="en-US" dirty="0"/>
-              <a:t>11/13/24</a:t>
+              <a:t>11/14/24</a:t>
             </a:fld>
             <a:endParaRPr lang="en-US" dirty="0"/>
           </a:p>
@@ -2785,7 +2792,7 @@
             <a:fld id="{B61BEF0D-F0BB-DE4B-95CE-6DB70DBA9567}" type="datetimeFigureOut">
               <a:rPr lang="en-US" dirty="0"/>
               <a:pPr/>
-              <a:t>11/13/24</a:t>
+              <a:t>11/14/24</a:t>
             </a:fld>
             <a:endParaRPr lang="en-US" dirty="0"/>
           </a:p>
@@ -2958,7 +2965,7 @@
             <a:fld id="{B61BEF0D-F0BB-DE4B-95CE-6DB70DBA9567}" type="datetimeFigureOut">
               <a:rPr lang="en-US" dirty="0"/>
               <a:pPr/>
-              <a:t>11/13/24</a:t>
+              <a:t>11/14/24</a:t>
             </a:fld>
             <a:endParaRPr lang="en-US" dirty="0"/>
           </a:p>
@@ -3202,7 +3209,7 @@
             <a:fld id="{B61BEF0D-F0BB-DE4B-95CE-6DB70DBA9567}" type="datetimeFigureOut">
               <a:rPr lang="en-US" dirty="0"/>
               <a:pPr/>
-              <a:t>11/13/24</a:t>
+              <a:t>11/14/24</a:t>
             </a:fld>
             <a:endParaRPr lang="en-US" dirty="0"/>
           </a:p>
@@ -3430,7 +3437,7 @@
           <a:p>
             <a:fld id="{EB712588-04B1-427B-82EE-E8DB90309F08}" type="datetimeFigureOut">
               <a:rPr lang="en-US" dirty="0"/>
-              <a:t>11/13/24</a:t>
+              <a:t>11/14/24</a:t>
             </a:fld>
             <a:endParaRPr lang="en-US" dirty="0"/>
           </a:p>
@@ -3800,7 +3807,7 @@
             <a:fld id="{B61BEF0D-F0BB-DE4B-95CE-6DB70DBA9567}" type="datetimeFigureOut">
               <a:rPr lang="en-US" dirty="0"/>
               <a:pPr/>
-              <a:t>11/13/24</a:t>
+              <a:t>11/14/24</a:t>
             </a:fld>
             <a:endParaRPr lang="en-US" dirty="0"/>
           </a:p>
@@ -3920,7 +3927,7 @@
             <a:fld id="{B61BEF0D-F0BB-DE4B-95CE-6DB70DBA9567}" type="datetimeFigureOut">
               <a:rPr lang="en-US" dirty="0"/>
               <a:pPr/>
-              <a:t>11/13/24</a:t>
+              <a:t>11/14/24</a:t>
             </a:fld>
             <a:endParaRPr lang="en-US" dirty="0"/>
           </a:p>
@@ -4012,7 +4019,7 @@
             <a:fld id="{B61BEF0D-F0BB-DE4B-95CE-6DB70DBA9567}" type="datetimeFigureOut">
               <a:rPr lang="en-US" dirty="0"/>
               <a:pPr/>
-              <a:t>11/13/24</a:t>
+              <a:t>11/14/24</a:t>
             </a:fld>
             <a:endParaRPr lang="en-US" dirty="0"/>
           </a:p>
@@ -4263,7 +4270,7 @@
           <a:p>
             <a:fld id="{42A54C80-263E-416B-A8E0-580EDEADCBDC}" type="datetimeFigureOut">
               <a:rPr lang="en-US" dirty="0"/>
-              <a:t>11/13/24</a:t>
+              <a:t>11/14/24</a:t>
             </a:fld>
             <a:endParaRPr lang="en-US" dirty="0"/>
           </a:p>
@@ -4522,7 +4529,7 @@
             <a:fld id="{B61BEF0D-F0BB-DE4B-95CE-6DB70DBA9567}" type="datetimeFigureOut">
               <a:rPr lang="en-US" dirty="0"/>
               <a:pPr/>
-              <a:t>11/13/24</a:t>
+              <a:t>11/14/24</a:t>
             </a:fld>
             <a:endParaRPr lang="en-US" dirty="0"/>
           </a:p>
@@ -5262,7 +5269,7 @@
             <a:fld id="{B61BEF0D-F0BB-DE4B-95CE-6DB70DBA9567}" type="datetimeFigureOut">
               <a:rPr lang="en-US" dirty="0"/>
               <a:pPr/>
-              <a:t>11/13/24</a:t>
+              <a:t>11/14/24</a:t>
             </a:fld>
             <a:endParaRPr lang="en-US" dirty="0"/>
           </a:p>
@@ -7116,6 +7123,192 @@
           <p:cNvPr id="2" name="Title 1">
             <a:extLst>
               <a:ext uri="{FF2B5EF4-FFF2-40B4-BE49-F238E27FC236}">
+                <a16:creationId xmlns:a16="http://schemas.microsoft.com/office/drawing/2014/main" id="{4EBDFB67-A012-8BF6-DAD1-D731C050D517}"/>
+              </a:ext>
+            </a:extLst>
+          </p:cNvPr>
+          <p:cNvSpPr>
+            <a:spLocks noGrp="1"/>
+          </p:cNvSpPr>
+          <p:nvPr>
+            <p:ph type="title"/>
+          </p:nvPr>
+        </p:nvSpPr>
+        <p:spPr/>
+        <p:txBody>
+          <a:bodyPr/>
+          <a:lstStyle/>
+          <a:p>
+            <a:r>
+              <a:rPr lang="en-US" dirty="0"/>
+              <a:t>GitHub Repository</a:t>
+            </a:r>
+          </a:p>
+        </p:txBody>
+      </p:sp>
+      <p:sp>
+        <p:nvSpPr>
+          <p:cNvPr id="3" name="Content Placeholder 2">
+            <a:extLst>
+              <a:ext uri="{FF2B5EF4-FFF2-40B4-BE49-F238E27FC236}">
+                <a16:creationId xmlns:a16="http://schemas.microsoft.com/office/drawing/2014/main" id="{88FDE6B6-201F-FC7D-373A-FE3CA9C0B7C3}"/>
+              </a:ext>
+            </a:extLst>
+          </p:cNvPr>
+          <p:cNvSpPr>
+            <a:spLocks noGrp="1"/>
+          </p:cNvSpPr>
+          <p:nvPr>
+            <p:ph idx="1"/>
+          </p:nvPr>
+        </p:nvSpPr>
+        <p:spPr/>
+        <p:txBody>
+          <a:bodyPr/>
+          <a:lstStyle/>
+          <a:p>
+            <a:pPr algn="ctr"/>
+            <a:r>
+              <a:rPr lang="en-US" dirty="0"/>
+              <a:t>All the project code and the relevant deliverables has been uploaded to the GitHub and the repository link is as below,</a:t>
+            </a:r>
+            <a:br>
+              <a:rPr lang="en-US" dirty="0"/>
+            </a:br>
+            <a:br>
+              <a:rPr lang="en-US" dirty="0"/>
+            </a:br>
+            <a:r>
+              <a:rPr lang="en-US" dirty="0">
+                <a:hlinkClick r:id="rId2"/>
+              </a:rPr>
+              <a:t>https://github.com/pavan-kalam/Blockchain-based-realestate-management-system</a:t>
+            </a:r>
+            <a:endParaRPr lang="en-US" dirty="0"/>
+          </a:p>
+          <a:p>
+            <a:endParaRPr lang="en-US" dirty="0"/>
+          </a:p>
+        </p:txBody>
+      </p:sp>
+    </p:spTree>
+    <p:extLst>
+      <p:ext uri="{BB962C8B-B14F-4D97-AF65-F5344CB8AC3E}">
+        <p14:creationId xmlns:p14="http://schemas.microsoft.com/office/powerpoint/2010/main" val="556174876"/>
+      </p:ext>
+    </p:extLst>
+  </p:cSld>
+  <p:clrMapOvr>
+    <a:masterClrMapping/>
+  </p:clrMapOvr>
+</p:sld>
+</file>
+
+<file path=ppt/slides/slide17.xml><?xml version="1.0" encoding="utf-8"?>
+<p:sld xmlns:a="http://schemas.openxmlformats.org/drawingml/2006/main" xmlns:r="http://schemas.openxmlformats.org/officeDocument/2006/relationships" xmlns:p="http://schemas.openxmlformats.org/presentationml/2006/main">
+  <p:cSld>
+    <p:spTree>
+      <p:nvGrpSpPr>
+        <p:cNvPr id="1" name=""/>
+        <p:cNvGrpSpPr/>
+        <p:nvPr/>
+      </p:nvGrpSpPr>
+      <p:grpSpPr>
+        <a:xfrm>
+          <a:off x="0" y="0"/>
+          <a:ext cx="0" cy="0"/>
+          <a:chOff x="0" y="0"/>
+          <a:chExt cx="0" cy="0"/>
+        </a:xfrm>
+      </p:grpSpPr>
+      <p:sp>
+        <p:nvSpPr>
+          <p:cNvPr id="2" name="Title 1">
+            <a:extLst>
+              <a:ext uri="{FF2B5EF4-FFF2-40B4-BE49-F238E27FC236}">
+                <a16:creationId xmlns:a16="http://schemas.microsoft.com/office/drawing/2014/main" id="{002E62DD-8D9C-769D-C7F5-18CEBD30723B}"/>
+              </a:ext>
+            </a:extLst>
+          </p:cNvPr>
+          <p:cNvSpPr>
+            <a:spLocks noGrp="1"/>
+          </p:cNvSpPr>
+          <p:nvPr>
+            <p:ph type="title"/>
+          </p:nvPr>
+        </p:nvSpPr>
+        <p:spPr/>
+        <p:txBody>
+          <a:bodyPr/>
+          <a:lstStyle/>
+          <a:p>
+            <a:r>
+              <a:rPr lang="en-US" dirty="0"/>
+              <a:t>Project Live Demo</a:t>
+            </a:r>
+          </a:p>
+        </p:txBody>
+      </p:sp>
+      <p:sp>
+        <p:nvSpPr>
+          <p:cNvPr id="3" name="Content Placeholder 2">
+            <a:extLst>
+              <a:ext uri="{FF2B5EF4-FFF2-40B4-BE49-F238E27FC236}">
+                <a16:creationId xmlns:a16="http://schemas.microsoft.com/office/drawing/2014/main" id="{0FE57E03-102F-0435-2F5F-83453F20D074}"/>
+              </a:ext>
+            </a:extLst>
+          </p:cNvPr>
+          <p:cNvSpPr>
+            <a:spLocks noGrp="1"/>
+          </p:cNvSpPr>
+          <p:nvPr>
+            <p:ph idx="1"/>
+          </p:nvPr>
+        </p:nvSpPr>
+        <p:spPr/>
+        <p:txBody>
+          <a:bodyPr/>
+          <a:lstStyle/>
+          <a:p>
+            <a:endParaRPr lang="en-US" dirty="0"/>
+          </a:p>
+        </p:txBody>
+      </p:sp>
+    </p:spTree>
+    <p:extLst>
+      <p:ext uri="{BB962C8B-B14F-4D97-AF65-F5344CB8AC3E}">
+        <p14:creationId xmlns:p14="http://schemas.microsoft.com/office/powerpoint/2010/main" val="223740009"/>
+      </p:ext>
+    </p:extLst>
+  </p:cSld>
+  <p:clrMapOvr>
+    <a:masterClrMapping/>
+  </p:clrMapOvr>
+</p:sld>
+</file>
+
+<file path=ppt/slides/slide18.xml><?xml version="1.0" encoding="utf-8"?>
+<p:sld xmlns:a="http://schemas.openxmlformats.org/drawingml/2006/main" xmlns:r="http://schemas.openxmlformats.org/officeDocument/2006/relationships" xmlns:p="http://schemas.openxmlformats.org/presentationml/2006/main">
+  <p:cSld>
+    <p:spTree>
+      <p:nvGrpSpPr>
+        <p:cNvPr id="1" name=""/>
+        <p:cNvGrpSpPr/>
+        <p:nvPr/>
+      </p:nvGrpSpPr>
+      <p:grpSpPr>
+        <a:xfrm>
+          <a:off x="0" y="0"/>
+          <a:ext cx="0" cy="0"/>
+          <a:chOff x="0" y="0"/>
+          <a:chExt cx="0" cy="0"/>
+        </a:xfrm>
+      </p:grpSpPr>
+      <p:sp>
+        <p:nvSpPr>
+          <p:cNvPr id="2" name="Title 1">
+            <a:extLst>
+              <a:ext uri="{FF2B5EF4-FFF2-40B4-BE49-F238E27FC236}">
                 <a16:creationId xmlns:a16="http://schemas.microsoft.com/office/drawing/2014/main" id="{FAF9B677-6601-6A76-AA8A-00B740A26927}"/>
               </a:ext>
             </a:extLst>
